--- a/结构体专题讨论/专题5-9/结构体成员访问.pptx
+++ b/结构体专题讨论/专题5-9/结构体成员访问.pptx
@@ -164,7 +164,7 @@
   <pc:docChgLst>
     <pc:chgData name="Mika Misono" userId="4ec03e660e9ae038" providerId="LiveId" clId="{9DFE271B-DE2A-4084-8EB9-ACBCA10FC33F}"/>
     <pc:docChg chg="undo custSel modSld">
-      <pc:chgData name="Mika Misono" userId="4ec03e660e9ae038" providerId="LiveId" clId="{9DFE271B-DE2A-4084-8EB9-ACBCA10FC33F}" dt="2026-01-05T09:24:00.880" v="211" actId="478"/>
+      <pc:chgData name="Mika Misono" userId="4ec03e660e9ae038" providerId="LiveId" clId="{9DFE271B-DE2A-4084-8EB9-ACBCA10FC33F}" dt="2026-01-05T17:51:54.893" v="229" actId="478"/>
       <pc:docMkLst>
         <pc:docMk/>
       </pc:docMkLst>
@@ -192,7 +192,7 @@
         </pc:spChg>
       </pc:sldChg>
       <pc:sldChg chg="modSp mod">
-        <pc:chgData name="Mika Misono" userId="4ec03e660e9ae038" providerId="LiveId" clId="{9DFE271B-DE2A-4084-8EB9-ACBCA10FC33F}" dt="2026-01-05T09:03:16.400" v="207" actId="1076"/>
+        <pc:chgData name="Mika Misono" userId="4ec03e660e9ae038" providerId="LiveId" clId="{9DFE271B-DE2A-4084-8EB9-ACBCA10FC33F}" dt="2026-01-05T17:51:18.379" v="227" actId="20577"/>
         <pc:sldMkLst>
           <pc:docMk/>
           <pc:sldMk cId="0" sldId="260"/>
@@ -211,6 +211,14 @@
             <pc:docMk/>
             <pc:sldMk cId="0" sldId="260"/>
             <ac:spMk id="22" creationId="{02267DB2-0A50-A05B-07F2-2084518E11A8}"/>
+          </ac:spMkLst>
+        </pc:spChg>
+        <pc:spChg chg="mod">
+          <ac:chgData name="Mika Misono" userId="4ec03e660e9ae038" providerId="LiveId" clId="{9DFE271B-DE2A-4084-8EB9-ACBCA10FC33F}" dt="2026-01-05T17:51:18.379" v="227" actId="20577"/>
+          <ac:spMkLst>
+            <pc:docMk/>
+            <pc:sldMk cId="0" sldId="260"/>
+            <ac:spMk id="23" creationId="{1569EFE3-B910-F5AB-146D-44AEC6851EB6}"/>
           </ac:spMkLst>
         </pc:spChg>
         <pc:spChg chg="mod">
@@ -253,11 +261,19 @@
         </pc:spChg>
       </pc:sldChg>
       <pc:sldChg chg="addSp delSp modSp mod">
-        <pc:chgData name="Mika Misono" userId="4ec03e660e9ae038" providerId="LiveId" clId="{9DFE271B-DE2A-4084-8EB9-ACBCA10FC33F}" dt="2026-01-05T09:24:00.880" v="211" actId="478"/>
+        <pc:chgData name="Mika Misono" userId="4ec03e660e9ae038" providerId="LiveId" clId="{9DFE271B-DE2A-4084-8EB9-ACBCA10FC33F}" dt="2026-01-05T17:51:54.893" v="229" actId="478"/>
         <pc:sldMkLst>
           <pc:docMk/>
           <pc:sldMk cId="0" sldId="281"/>
         </pc:sldMkLst>
+        <pc:spChg chg="add del mod">
+          <ac:chgData name="Mika Misono" userId="4ec03e660e9ae038" providerId="LiveId" clId="{9DFE271B-DE2A-4084-8EB9-ACBCA10FC33F}" dt="2026-01-05T17:51:54.893" v="229" actId="478"/>
+          <ac:spMkLst>
+            <pc:docMk/>
+            <pc:sldMk cId="0" sldId="281"/>
+            <ac:spMk id="3" creationId="{177F0187-BC24-0563-BAB7-588742D4E836}"/>
+          </ac:spMkLst>
+        </pc:spChg>
         <pc:spChg chg="add del mod">
           <ac:chgData name="Mika Misono" userId="4ec03e660e9ae038" providerId="LiveId" clId="{9DFE271B-DE2A-4084-8EB9-ACBCA10FC33F}" dt="2026-01-05T09:24:00.880" v="211" actId="478"/>
           <ac:spMkLst>
@@ -272,6 +288,14 @@
             <pc:docMk/>
             <pc:sldMk cId="0" sldId="281"/>
             <ac:spMk id="4" creationId="{00000000-0000-0000-0000-000000000000}"/>
+          </ac:spMkLst>
+        </pc:spChg>
+        <pc:spChg chg="del">
+          <ac:chgData name="Mika Misono" userId="4ec03e660e9ae038" providerId="LiveId" clId="{9DFE271B-DE2A-4084-8EB9-ACBCA10FC33F}" dt="2026-01-05T17:51:53.165" v="228" actId="478"/>
+          <ac:spMkLst>
+            <pc:docMk/>
+            <pc:sldMk cId="0" sldId="281"/>
+            <ac:spMk id="7" creationId="{00000000-0000-0000-0000-000000000000}"/>
           </ac:spMkLst>
         </pc:spChg>
       </pc:sldChg>
@@ -3121,7 +3145,7 @@
           <a:p>
             <a:fld id="{2A27A813-B2FD-42E1-9222-83B574E99074}" type="datetime1">
               <a:rPr lang="zh-CN" altLang="en-US" smtClean="0"/>
-              <a:t>2026/1/5</a:t>
+              <a:t>2026/1/6</a:t>
             </a:fld>
             <a:endParaRPr lang="en-US" altLang="zh-CN"/>
           </a:p>
@@ -6198,7 +6222,7 @@
                           </a:solidFill>
                           <a:cs typeface="+mn-ea"/>
                         </a:rPr>
-                        <a:t>的作用为解引用 </a:t>
+                        <a:t>的作用为对地址解引用 </a:t>
                       </a:r>
                       <a:r>
                         <a:rPr kumimoji="1" lang="en-US" altLang="zh-CN" sz="1600" b="1">
@@ -10574,29 +10598,6 @@
           </a:p>
         </p:txBody>
       </p:sp>
-      <p:sp>
-        <p:nvSpPr>
-          <p:cNvPr id="7" name="文本占位符 6"/>
-          <p:cNvSpPr>
-            <a:spLocks noGrp="1"/>
-          </p:cNvSpPr>
-          <p:nvPr>
-            <p:ph type="body" sz="quarter" idx="14" hasCustomPrompt="1"/>
-          </p:nvPr>
-        </p:nvSpPr>
-        <p:spPr/>
-        <p:txBody>
-          <a:bodyPr/>
-          <a:lstStyle/>
-          <a:p>
-            <a:r>
-              <a:rPr lang="zh-CN" altLang="en-US" dirty="0"/>
-              <a:t>2026/01/05</a:t>
-            </a:r>
-            <a:endParaRPr lang="en-US" dirty="0"/>
-          </a:p>
-        </p:txBody>
-      </p:sp>
     </p:spTree>
   </p:cSld>
   <p:clrMapOvr>
